--- a/G5/Class09/presentation/04_ng_http_lazy_loading.pptx
+++ b/G5/Class09/presentation/04_ng_http_lazy_loading.pptx
@@ -10908,7 +10908,7 @@
           </a:ln>
           <a:extLst>
             <a:ext uri="{C572A759-6A51-4108-AA02-DFA0A04FC94B}">
-              <ma14:wrappingTextBoxFlag xmlns="" xmlns:m="http://schemas.openxmlformats.org/officeDocument/2006/math" xmlns:a14="http://schemas.microsoft.com/office/drawing/2010/main" xmlns:ma14="http://schemas.microsoft.com/office/mac/drawingml/2011/main" val="1"/>
+              <ma14:wrappingTextBoxFlag xmlns:ma14="http://schemas.microsoft.com/office/mac/drawingml/2011/main" xmlns:a14="http://schemas.microsoft.com/office/drawing/2010/main" xmlns:m="http://schemas.openxmlformats.org/officeDocument/2006/math" xmlns="" val="1"/>
             </a:ext>
           </a:extLst>
         </p:spPr>
@@ -10947,7 +10947,7 @@
           </a:ln>
           <a:extLst>
             <a:ext uri="{C572A759-6A51-4108-AA02-DFA0A04FC94B}">
-              <ma14:wrappingTextBoxFlag xmlns="" xmlns:m="http://schemas.openxmlformats.org/officeDocument/2006/math" xmlns:a14="http://schemas.microsoft.com/office/drawing/2010/main" xmlns:ma14="http://schemas.microsoft.com/office/mac/drawingml/2011/main" val="1"/>
+              <ma14:wrappingTextBoxFlag xmlns:ma14="http://schemas.microsoft.com/office/mac/drawingml/2011/main" xmlns:a14="http://schemas.microsoft.com/office/drawing/2010/main" xmlns:m="http://schemas.openxmlformats.org/officeDocument/2006/math" xmlns="" val="1"/>
             </a:ext>
           </a:extLst>
         </p:spPr>
@@ -13250,7 +13250,7 @@
           </a:prstGeom>
           <a:extLst>
             <a:ext uri="{C572A759-6A51-4108-AA02-DFA0A04FC94B}">
-              <ma14:wrappingTextBoxFlag xmlns="" xmlns:m="http://schemas.openxmlformats.org/officeDocument/2006/math" xmlns:a14="http://schemas.microsoft.com/office/drawing/2010/main" xmlns:ma14="http://schemas.microsoft.com/office/mac/drawingml/2011/main" val="1"/>
+              <ma14:wrappingTextBoxFlag xmlns:ma14="http://schemas.microsoft.com/office/mac/drawingml/2011/main" xmlns:a14="http://schemas.microsoft.com/office/drawing/2010/main" xmlns:m="http://schemas.openxmlformats.org/officeDocument/2006/math" xmlns="" val="1"/>
             </a:ext>
           </a:extLst>
         </p:spPr>
@@ -13259,8 +13259,10 @@
           <a:lstStyle/>
           <a:p>
             <a:r>
-              <a:t>assistant@mail.com</a:t>
-            </a:r>
+              <a:rPr lang="en-US" dirty="0"/>
+              <a:t>ivanovv7@protonmail.com</a:t>
+            </a:r>
+            <a:endParaRPr dirty="0"/>
           </a:p>
         </p:txBody>
       </p:sp>
@@ -13284,7 +13286,7 @@
           </a:prstGeom>
           <a:extLst>
             <a:ext uri="{C572A759-6A51-4108-AA02-DFA0A04FC94B}">
-              <ma14:wrappingTextBoxFlag xmlns="" xmlns:m="http://schemas.openxmlformats.org/officeDocument/2006/math" xmlns:a14="http://schemas.microsoft.com/office/drawing/2010/main" xmlns:ma14="http://schemas.microsoft.com/office/mac/drawingml/2011/main" val="1"/>
+              <ma14:wrappingTextBoxFlag xmlns:ma14="http://schemas.microsoft.com/office/mac/drawingml/2011/main" xmlns:a14="http://schemas.microsoft.com/office/drawing/2010/main" xmlns:m="http://schemas.openxmlformats.org/officeDocument/2006/math" xmlns="" val="1"/>
             </a:ext>
           </a:extLst>
         </p:spPr>
@@ -13293,8 +13295,10 @@
           <a:lstStyle/>
           <a:p>
             <a:r>
-              <a:t>Assistant</a:t>
-            </a:r>
+              <a:rPr lang="en-US" dirty="0"/>
+              <a:t>Ivan Ivanov</a:t>
+            </a:r>
+            <a:endParaRPr dirty="0"/>
           </a:p>
         </p:txBody>
       </p:sp>
@@ -13317,7 +13321,7 @@
           </a:ln>
           <a:extLst>
             <a:ext uri="{C572A759-6A51-4108-AA02-DFA0A04FC94B}">
-              <ma14:wrappingTextBoxFlag xmlns="" xmlns:m="http://schemas.openxmlformats.org/officeDocument/2006/math" xmlns:a14="http://schemas.microsoft.com/office/drawing/2010/main" xmlns:ma14="http://schemas.microsoft.com/office/mac/drawingml/2011/main" val="1"/>
+              <ma14:wrappingTextBoxFlag xmlns:ma14="http://schemas.microsoft.com/office/mac/drawingml/2011/main" xmlns:a14="http://schemas.microsoft.com/office/drawing/2010/main" xmlns:m="http://schemas.openxmlformats.org/officeDocument/2006/math" xmlns="" val="1"/>
             </a:ext>
           </a:extLst>
         </p:spPr>
@@ -13343,8 +13347,10 @@
           </a:lstStyle>
           <a:p>
             <a:r>
-              <a:t>trainer@mail.com</a:t>
-            </a:r>
+              <a:rPr lang="en-US" dirty="0"/>
+              <a:t>dimitrov.gjorge@protonmail.com</a:t>
+            </a:r>
+            <a:endParaRPr dirty="0"/>
           </a:p>
         </p:txBody>
       </p:sp>
@@ -13367,7 +13373,7 @@
           </a:ln>
           <a:extLst>
             <a:ext uri="{C572A759-6A51-4108-AA02-DFA0A04FC94B}">
-              <ma14:wrappingTextBoxFlag xmlns="" xmlns:m="http://schemas.openxmlformats.org/officeDocument/2006/math" xmlns:a14="http://schemas.microsoft.com/office/drawing/2010/main" xmlns:ma14="http://schemas.microsoft.com/office/mac/drawingml/2011/main" val="1"/>
+              <ma14:wrappingTextBoxFlag xmlns:ma14="http://schemas.microsoft.com/office/mac/drawingml/2011/main" xmlns:a14="http://schemas.microsoft.com/office/drawing/2010/main" xmlns:m="http://schemas.openxmlformats.org/officeDocument/2006/math" xmlns="" val="1"/>
             </a:ext>
           </a:extLst>
         </p:spPr>
@@ -13393,8 +13399,10 @@
           </a:lstStyle>
           <a:p>
             <a:r>
-              <a:t>Trainer</a:t>
-            </a:r>
+              <a:rPr lang="en-US" dirty="0"/>
+              <a:t>George Dimitrov</a:t>
+            </a:r>
+            <a:endParaRPr dirty="0"/>
           </a:p>
         </p:txBody>
       </p:sp>
@@ -13417,7 +13425,7 @@
           </a:ln>
           <a:extLst>
             <a:ext uri="{C572A759-6A51-4108-AA02-DFA0A04FC94B}">
-              <ma14:wrappingTextBoxFlag xmlns="" xmlns:m="http://schemas.openxmlformats.org/officeDocument/2006/math" xmlns:a14="http://schemas.microsoft.com/office/drawing/2010/main" xmlns:ma14="http://schemas.microsoft.com/office/mac/drawingml/2011/main" val="1"/>
+              <ma14:wrappingTextBoxFlag xmlns:ma14="http://schemas.microsoft.com/office/mac/drawingml/2011/main" xmlns:a14="http://schemas.microsoft.com/office/drawing/2010/main" xmlns:m="http://schemas.openxmlformats.org/officeDocument/2006/math" xmlns="" val="1"/>
             </a:ext>
           </a:extLst>
         </p:spPr>
